--- a/public/pptx/more_love_to_thee.pptx
+++ b/public/pptx/more_love_to_thee.pptx
@@ -1,8 +1,8 @@
 
 <file path=ppt/presentation.xml><?xml version="1.0" encoding="utf-8"?>
-<p:presentation xmlns:a="http://schemas.openxmlformats.org/drawingml/2006/main" xmlns:r="http://schemas.openxmlformats.org/officeDocument/2006/relationships" xmlns:p="http://schemas.openxmlformats.org/presentationml/2006/main" saveSubsetFonts="1">
+<p:presentation xmlns:a="http://schemas.openxmlformats.org/drawingml/2006/main" xmlns:r="http://schemas.openxmlformats.org/officeDocument/2006/relationships" xmlns:p="http://schemas.openxmlformats.org/presentationml/2006/main" saveSubsetFonts="1" autoCompressPictures="0">
   <p:sldMasterIdLst>
-    <p:sldMasterId id="2147483660" r:id="rId1"/>
+    <p:sldMasterId id="2147483670" r:id="rId1"/>
   </p:sldMasterIdLst>
   <p:notesMasterIdLst>
     <p:notesMasterId r:id="rId15"/>
@@ -119,11 +119,6 @@
       </a:defRPr>
     </a:lvl9pPr>
   </p:defaultTextStyle>
-  <p:extLst>
-    <p:ext uri="{EFAFB233-063F-42B5-8137-9DF3F51BA10A}">
-      <p15:sldGuideLst xmlns:p15="http://schemas.microsoft.com/office/powerpoint/2012/main"/>
-    </p:ext>
-  </p:extLst>
 </p:presentation>
 </file>
 
@@ -207,9 +202,9 @@
             </a:lvl1pPr>
           </a:lstStyle>
           <a:p>
-            <a:fld id="{63452E04-7F66-46C6-B0A4-7DC3AFC3DC53}" type="datetimeFigureOut">
+            <a:fld id="{BE3E34E0-54B3-FA40-A304-509EFF2D87DE}" type="datetimeFigureOut">
               <a:rPr lang="en-US" smtClean="0"/>
-              <a:t>4/12/2022</a:t>
+              <a:t>10/19/25</a:t>
             </a:fld>
             <a:endParaRPr lang="en-US"/>
           </a:p>
@@ -365,7 +360,7 @@
             </a:lvl1pPr>
           </a:lstStyle>
           <a:p>
-            <a:fld id="{71D75045-323C-4A72-937B-7FB4609E3222}" type="slidenum">
+            <a:fld id="{3D226F5B-F8E9-A340-B514-C79122F976DD}" type="slidenum">
               <a:rPr lang="en-US" smtClean="0"/>
               <a:t>‹#›</a:t>
             </a:fld>
@@ -376,7 +371,7 @@
     </p:spTree>
     <p:extLst>
       <p:ext uri="{BB962C8B-B14F-4D97-AF65-F5344CB8AC3E}">
-        <p14:creationId xmlns:p14="http://schemas.microsoft.com/office/powerpoint/2010/main" val="3045555834"/>
+        <p14:creationId xmlns:p14="http://schemas.microsoft.com/office/powerpoint/2010/main" val="795907427"/>
       </p:ext>
     </p:extLst>
   </p:cSld>
@@ -2452,7 +2447,7 @@
     </p:spTree>
     <p:extLst>
       <p:ext uri="{BB962C8B-B14F-4D97-AF65-F5344CB8AC3E}">
-        <p14:creationId xmlns:p14="http://schemas.microsoft.com/office/powerpoint/2010/main" val="2066613096"/>
+        <p14:creationId xmlns:p14="http://schemas.microsoft.com/office/powerpoint/2010/main" val="4266867000"/>
       </p:ext>
     </p:extLst>
   </p:cSld>
@@ -2538,7 +2533,7 @@
     </p:spTree>
     <p:extLst>
       <p:ext uri="{BB962C8B-B14F-4D97-AF65-F5344CB8AC3E}">
-        <p14:creationId xmlns:p14="http://schemas.microsoft.com/office/powerpoint/2010/main" val="2190402365"/>
+        <p14:creationId xmlns:p14="http://schemas.microsoft.com/office/powerpoint/2010/main" val="3409601803"/>
       </p:ext>
     </p:extLst>
   </p:cSld>
@@ -2576,14 +2571,14 @@
     </p:spTree>
     <p:extLst>
       <p:ext uri="{BB962C8B-B14F-4D97-AF65-F5344CB8AC3E}">
-        <p14:creationId xmlns:p14="http://schemas.microsoft.com/office/powerpoint/2010/main" val="1750628645"/>
+        <p14:creationId xmlns:p14="http://schemas.microsoft.com/office/powerpoint/2010/main" val="483962707"/>
       </p:ext>
     </p:extLst>
   </p:cSld>
   <p:clrMap bg1="lt1" tx1="dk1" bg2="lt2" tx2="dk2" accent1="accent1" accent2="accent2" accent3="accent3" accent4="accent4" accent5="accent5" accent6="accent6" hlink="hlink" folHlink="folHlink"/>
   <p:sldLayoutIdLst>
-    <p:sldLayoutId id="2147483661" r:id="rId1"/>
-    <p:sldLayoutId id="2147483662" r:id="rId2"/>
+    <p:sldLayoutId id="2147483671" r:id="rId1"/>
+    <p:sldLayoutId id="2147483672" r:id="rId2"/>
   </p:sldLayoutIdLst>
   <p:txStyles>
     <p:titleStyle>
@@ -3615,7 +3610,7 @@
 </file>
 
 <file path=ppt/theme/theme1.xml><?xml version="1.0" encoding="utf-8"?>
-<a:theme xmlns:a="http://schemas.openxmlformats.org/drawingml/2006/main" name="1_Office Theme">
+<a:theme xmlns:a="http://schemas.openxmlformats.org/drawingml/2006/main" name="2_Office Theme">
   <a:themeElements>
     <a:clrScheme name="Office">
       <a:dk1>
